--- a/en/ProgrammingLessons/beginner/scratch-SoundBlock.pptx
+++ b/en/ProgrammingLessons/beginner/scratch-SoundBlock.pptx
@@ -224,7 +224,7 @@
           <a:p>
             <a:fld id="{F8D9B3D7-15CB-9343-AA49-EFB5A8F33F18}" type="datetimeFigureOut">
               <a:rPr lang="en-US" smtClean="0"/>
-              <a:t>12/21/19</a:t>
+              <a:t>12/25/19</a:t>
             </a:fld>
             <a:endParaRPr lang="en-US"/>
           </a:p>
@@ -390,7 +390,7 @@
           <a:p>
             <a:fld id="{FD3EFF1E-85A1-6640-AFB9-C38833E80A84}" type="datetimeFigureOut">
               <a:rPr lang="en-US" smtClean="0"/>
-              <a:t>12/21/19</a:t>
+              <a:t>12/25/19</a:t>
             </a:fld>
             <a:endParaRPr lang="en-US"/>
           </a:p>
@@ -871,7 +871,7 @@
           <a:p>
             <a:fld id="{6ADB057A-B195-4E48-A446-01BFB4646FDF}" type="datetime1">
               <a:rPr lang="en-US" smtClean="0"/>
-              <a:t>12/21/19</a:t>
+              <a:t>12/25/19</a:t>
             </a:fld>
             <a:endParaRPr lang="en-US"/>
           </a:p>
@@ -1042,7 +1042,7 @@
           <a:p>
             <a:fld id="{F9D10D74-469A-4E4D-9024-AEBBE1C0F493}" type="datetime1">
               <a:rPr lang="en-US" smtClean="0"/>
-              <a:t>12/21/19</a:t>
+              <a:t>12/25/19</a:t>
             </a:fld>
             <a:endParaRPr lang="en-US"/>
           </a:p>
@@ -1223,7 +1223,7 @@
           <a:p>
             <a:fld id="{4FB62FDB-ED6C-614A-A9DB-C608A526F10F}" type="datetime1">
               <a:rPr lang="en-US" smtClean="0"/>
-              <a:t>12/21/19</a:t>
+              <a:t>12/25/19</a:t>
             </a:fld>
             <a:endParaRPr lang="en-US"/>
           </a:p>
@@ -1439,7 +1439,7 @@
           <a:p>
             <a:fld id="{7038A7B5-06A6-7B40-A95A-5CC3FEAAAB40}" type="datetime1">
               <a:rPr lang="en-US" smtClean="0"/>
-              <a:t>12/21/19</a:t>
+              <a:t>12/25/19</a:t>
             </a:fld>
             <a:endParaRPr lang="en-US"/>
           </a:p>
@@ -1808,35 +1808,6 @@
           </a:fontRef>
         </p:style>
       </p:sp>
-      <p:pic>
-        <p:nvPicPr>
-          <p:cNvPr id="19" name="Picture 18" descr="A picture containing drawing&#10;&#10;Description automatically generated">
-            <a:extLst>
-              <a:ext uri="{FF2B5EF4-FFF2-40B4-BE49-F238E27FC236}">
-                <a16:creationId xmlns:a16="http://schemas.microsoft.com/office/drawing/2014/main" id="{BEF91270-D863-D14A-8A7A-DD4AADA4E221}"/>
-              </a:ext>
-            </a:extLst>
-          </p:cNvPr>
-          <p:cNvPicPr>
-            <a:picLocks noChangeAspect="1"/>
-          </p:cNvPicPr>
-          <p:nvPr userDrawn="1"/>
-        </p:nvPicPr>
-        <p:blipFill rotWithShape="1">
-          <a:blip r:embed="rId2"/>
-          <a:srcRect l="1617" t="7031" r="4033" b="8124"/>
-          <a:stretch/>
-        </p:blipFill>
-        <p:spPr>
-          <a:xfrm>
-            <a:off x="89513" y="25985"/>
-            <a:ext cx="8627349" cy="3250097"/>
-          </a:xfrm>
-          <a:prstGeom prst="rect">
-            <a:avLst/>
-          </a:prstGeom>
-        </p:spPr>
-      </p:pic>
     </p:spTree>
     <p:extLst>
       <p:ext uri="{BB962C8B-B14F-4D97-AF65-F5344CB8AC3E}">
@@ -1968,7 +1939,7 @@
           <a:p>
             <a:fld id="{C69F8D1D-23F9-A943-ADA8-3008A154CDE8}" type="datetime1">
               <a:rPr lang="en-US" smtClean="0"/>
-              <a:t>12/21/19</a:t>
+              <a:t>12/25/19</a:t>
             </a:fld>
             <a:endParaRPr lang="en-US"/>
           </a:p>
@@ -2233,7 +2204,7 @@
           <a:p>
             <a:fld id="{24925895-FF9F-DD40-825C-390EF0DEF868}" type="datetime1">
               <a:rPr lang="en-US" smtClean="0"/>
-              <a:t>12/21/19</a:t>
+              <a:t>12/25/19</a:t>
             </a:fld>
             <a:endParaRPr lang="en-US"/>
           </a:p>
@@ -2536,7 +2507,7 @@
           <a:p>
             <a:fld id="{B8C8FC28-F2B3-F441-BFF8-648B30855F31}" type="datetime1">
               <a:rPr lang="en-US" smtClean="0"/>
-              <a:t>12/21/19</a:t>
+              <a:t>12/25/19</a:t>
             </a:fld>
             <a:endParaRPr lang="en-US"/>
           </a:p>
@@ -2990,7 +2961,7 @@
           <a:p>
             <a:fld id="{4AFD8BEE-7BD9-D545-A509-64138E54D062}" type="datetime1">
               <a:rPr lang="en-US" smtClean="0"/>
-              <a:t>12/21/19</a:t>
+              <a:t>12/25/19</a:t>
             </a:fld>
             <a:endParaRPr lang="en-US"/>
           </a:p>
@@ -3118,7 +3089,7 @@
           <a:p>
             <a:fld id="{176A602A-BD34-B54A-AFBC-8F55CFACC81B}" type="datetime1">
               <a:rPr lang="en-US" smtClean="0"/>
-              <a:t>12/21/19</a:t>
+              <a:t>12/25/19</a:t>
             </a:fld>
             <a:endParaRPr lang="en-US"/>
           </a:p>
@@ -3224,7 +3195,7 @@
           <a:p>
             <a:fld id="{0662F0EB-5A94-E247-9617-03A36C14EF90}" type="datetime1">
               <a:rPr lang="en-US" smtClean="0"/>
-              <a:t>12/21/19</a:t>
+              <a:t>12/25/19</a:t>
             </a:fld>
             <a:endParaRPr lang="en-US"/>
           </a:p>
@@ -3482,7 +3453,7 @@
           <a:p>
             <a:fld id="{9B7EB7BA-D49D-F945-9BCD-7A5AEED21BE0}" type="datetime1">
               <a:rPr lang="en-US" smtClean="0"/>
-              <a:t>12/21/19</a:t>
+              <a:t>12/25/19</a:t>
             </a:fld>
             <a:endParaRPr lang="en-US"/>
           </a:p>
@@ -3683,7 +3654,7 @@
           <a:p>
             <a:fld id="{FF6FF63C-B76C-8B49-AB22-67845B597BAD}" type="datetime1">
               <a:rPr lang="en-US" smtClean="0"/>
-              <a:t>12/21/19</a:t>
+              <a:t>12/25/19</a:t>
             </a:fld>
             <a:endParaRPr lang="en-US"/>
           </a:p>
@@ -3961,7 +3932,7 @@
           <a:p>
             <a:fld id="{025916C7-075B-AF4E-B470-5F7D9D65906A}" type="datetime1">
               <a:rPr lang="en-US" smtClean="0"/>
-              <a:t>12/21/19</a:t>
+              <a:t>12/25/19</a:t>
             </a:fld>
             <a:endParaRPr lang="en-US"/>
           </a:p>
@@ -4228,7 +4199,7 @@
           <a:p>
             <a:fld id="{4479F3D3-3D55-BE48-9A21-0CF5DD2882E9}" type="datetime1">
               <a:rPr lang="en-US" smtClean="0"/>
-              <a:t>12/21/19</a:t>
+              <a:t>12/25/19</a:t>
             </a:fld>
             <a:endParaRPr lang="en-US"/>
           </a:p>
@@ -4417,7 +4388,7 @@
           <a:p>
             <a:fld id="{31F2CC23-4E1F-4A4E-BDCC-CD9A967C6069}" type="datetime1">
               <a:rPr lang="en-US" smtClean="0"/>
-              <a:t>12/21/19</a:t>
+              <a:t>12/25/19</a:t>
             </a:fld>
             <a:endParaRPr lang="en-US"/>
           </a:p>
@@ -4618,7 +4589,7 @@
           <a:p>
             <a:fld id="{3E396EAD-FE2A-1F4A-99AE-AD9374D5BA79}" type="datetime1">
               <a:rPr lang="en-US" smtClean="0"/>
-              <a:t>12/21/19</a:t>
+              <a:t>12/25/19</a:t>
             </a:fld>
             <a:endParaRPr lang="en-US"/>
           </a:p>
@@ -4789,7 +4760,7 @@
           <a:p>
             <a:fld id="{18C540F8-877C-CA4C-8C77-57C3238DF1D7}" type="datetime1">
               <a:rPr lang="en-US" smtClean="0"/>
-              <a:t>12/21/19</a:t>
+              <a:t>12/25/19</a:t>
             </a:fld>
             <a:endParaRPr lang="en-US"/>
           </a:p>
@@ -5037,7 +5008,7 @@
           <a:p>
             <a:fld id="{D59CD718-DB13-AE4F-A6A2-F15CD0FA0136}" type="datetime1">
               <a:rPr lang="en-US" smtClean="0"/>
-              <a:t>12/21/19</a:t>
+              <a:t>12/25/19</a:t>
             </a:fld>
             <a:endParaRPr lang="en-US"/>
           </a:p>
@@ -5269,7 +5240,7 @@
           <a:p>
             <a:fld id="{5BEC7332-14BF-A045-8F07-0137ED0597AF}" type="datetime1">
               <a:rPr lang="en-US" smtClean="0"/>
-              <a:t>12/21/19</a:t>
+              <a:t>12/25/19</a:t>
             </a:fld>
             <a:endParaRPr lang="en-US"/>
           </a:p>
@@ -5636,7 +5607,7 @@
           <a:p>
             <a:fld id="{5D15F456-4E80-0444-96B1-2E08A1CBDDC9}" type="datetime1">
               <a:rPr lang="en-US" smtClean="0"/>
-              <a:t>12/21/19</a:t>
+              <a:t>12/25/19</a:t>
             </a:fld>
             <a:endParaRPr lang="en-US"/>
           </a:p>
@@ -5756,7 +5727,7 @@
           <a:p>
             <a:fld id="{4B07F9AB-621B-1344-8DD8-5DBD7E78403E}" type="datetime1">
               <a:rPr lang="en-US" smtClean="0"/>
-              <a:t>12/21/19</a:t>
+              <a:t>12/25/19</a:t>
             </a:fld>
             <a:endParaRPr lang="en-US"/>
           </a:p>
@@ -5854,7 +5825,7 @@
           <a:p>
             <a:fld id="{D5B45924-4989-734F-A18D-9FC4571A06E4}" type="datetime1">
               <a:rPr lang="en-US" smtClean="0"/>
-              <a:t>12/21/19</a:t>
+              <a:t>12/25/19</a:t>
             </a:fld>
             <a:endParaRPr lang="en-US"/>
           </a:p>
@@ -6102,7 +6073,7 @@
           <a:p>
             <a:fld id="{AD1ED27D-8F2B-9B47-B821-D2884B432F8C}" type="datetime1">
               <a:rPr lang="en-US" smtClean="0"/>
-              <a:t>12/21/19</a:t>
+              <a:t>12/25/19</a:t>
             </a:fld>
             <a:endParaRPr lang="en-US"/>
           </a:p>
@@ -6380,7 +6351,7 @@
           <a:p>
             <a:fld id="{7FF7935D-8160-FD46-A9E8-9BD7CE68B3F9}" type="datetime1">
               <a:rPr lang="en-US" smtClean="0"/>
-              <a:t>12/21/19</a:t>
+              <a:t>12/25/19</a:t>
             </a:fld>
             <a:endParaRPr lang="en-US"/>
           </a:p>
@@ -6638,7 +6609,7 @@
           <a:p>
             <a:fld id="{3F0392D9-5EBE-4849-A9EA-1C1D7896D50A}" type="datetime1">
               <a:rPr lang="en-US" smtClean="0"/>
-              <a:t>12/21/19</a:t>
+              <a:t>12/25/19</a:t>
             </a:fld>
             <a:endParaRPr lang="en-US"/>
           </a:p>
@@ -6809,7 +6780,7 @@
           <a:p>
             <a:fld id="{06A06DFE-2466-3446-BAE4-80457C4B5DD6}" type="datetime1">
               <a:rPr lang="en-US" smtClean="0"/>
-              <a:t>12/21/19</a:t>
+              <a:t>12/25/19</a:t>
             </a:fld>
             <a:endParaRPr lang="en-US"/>
           </a:p>
@@ -6990,7 +6961,7 @@
           <a:p>
             <a:fld id="{052C507B-0962-C943-9004-FF5BF7510E52}" type="datetime1">
               <a:rPr lang="en-US" smtClean="0"/>
-              <a:t>12/21/19</a:t>
+              <a:t>12/25/19</a:t>
             </a:fld>
             <a:endParaRPr lang="en-US"/>
           </a:p>
@@ -7222,7 +7193,7 @@
           <a:p>
             <a:fld id="{E83FA3D3-0886-AA43-9155-47AD11D11356}" type="datetime1">
               <a:rPr lang="en-US" smtClean="0"/>
-              <a:t>12/21/19</a:t>
+              <a:t>12/25/19</a:t>
             </a:fld>
             <a:endParaRPr lang="en-US"/>
           </a:p>
@@ -7589,7 +7560,7 @@
           <a:p>
             <a:fld id="{879DDD64-A310-9646-8386-12B68251BAA9}" type="datetime1">
               <a:rPr lang="en-US" smtClean="0"/>
-              <a:t>12/21/19</a:t>
+              <a:t>12/25/19</a:t>
             </a:fld>
             <a:endParaRPr lang="en-US"/>
           </a:p>
@@ -7709,7 +7680,7 @@
           <a:p>
             <a:fld id="{7DB5DBCB-2A13-7848-9479-C410BD0B46BE}" type="datetime1">
               <a:rPr lang="en-US" smtClean="0"/>
-              <a:t>12/21/19</a:t>
+              <a:t>12/25/19</a:t>
             </a:fld>
             <a:endParaRPr lang="en-US"/>
           </a:p>
@@ -7807,7 +7778,7 @@
           <a:p>
             <a:fld id="{AA9BE241-5011-DF4C-958C-D2C8541E85E1}" type="datetime1">
               <a:rPr lang="en-US" smtClean="0"/>
-              <a:t>12/21/19</a:t>
+              <a:t>12/25/19</a:t>
             </a:fld>
             <a:endParaRPr lang="en-US"/>
           </a:p>
@@ -8085,7 +8056,7 @@
           <a:p>
             <a:fld id="{8FB6B468-B779-274B-B2C1-DE463C7D29E4}" type="datetime1">
               <a:rPr lang="en-US" smtClean="0"/>
-              <a:t>12/21/19</a:t>
+              <a:t>12/25/19</a:t>
             </a:fld>
             <a:endParaRPr lang="en-US"/>
           </a:p>
@@ -8340,7 +8311,7 @@
           <a:p>
             <a:fld id="{0009EC3A-C821-624E-9E35-DD27271F6933}" type="datetime1">
               <a:rPr lang="en-US" smtClean="0"/>
-              <a:t>12/21/19</a:t>
+              <a:t>12/25/19</a:t>
             </a:fld>
             <a:endParaRPr lang="en-US"/>
           </a:p>
@@ -8554,7 +8525,7 @@
           <a:p>
             <a:fld id="{10EF8889-8768-FF4F-BEB0-B4B98A5C38D6}" type="datetime1">
               <a:rPr lang="en-US" smtClean="0"/>
-              <a:t>12/21/19</a:t>
+              <a:t>12/25/19</a:t>
             </a:fld>
             <a:endParaRPr lang="en-US"/>
           </a:p>
@@ -9096,7 +9067,7 @@
           <a:p>
             <a:fld id="{F16A5557-1098-294B-B8EC-623B54F3BF4F}" type="datetime1">
               <a:rPr lang="en-US" smtClean="0"/>
-              <a:t>12/21/19</a:t>
+              <a:t>12/25/19</a:t>
             </a:fld>
             <a:endParaRPr lang="en-US"/>
           </a:p>
@@ -9852,7 +9823,7 @@
           <a:p>
             <a:fld id="{9F5EC868-DAA1-5743-B70D-227E2B4DAE26}" type="datetime1">
               <a:rPr lang="en-US" smtClean="0"/>
-              <a:t>12/21/19</a:t>
+              <a:t>12/25/19</a:t>
             </a:fld>
             <a:endParaRPr lang="en-US"/>
           </a:p>
@@ -10273,50 +10244,134 @@
         </p:nvSpPr>
         <p:spPr/>
         <p:txBody>
-          <a:bodyPr/>
-          <a:lstStyle/>
-          <a:p>
-            <a:r>
-              <a:rPr lang="en-US" dirty="0"/>
-              <a:t>Sound Block</a:t>
-            </a:r>
-          </a:p>
-        </p:txBody>
-      </p:sp>
-      <p:sp>
-        <p:nvSpPr>
-          <p:cNvPr id="3" name="Title 2"/>
-          <p:cNvSpPr>
-            <a:spLocks noGrp="1"/>
-          </p:cNvSpPr>
-          <p:nvPr>
-            <p:ph type="ctrTitle"/>
-          </p:nvPr>
+          <a:bodyPr>
+            <a:normAutofit/>
+          </a:bodyPr>
+          <a:lstStyle/>
+          <a:p>
+            <a:r>
+              <a:rPr lang="en-US" sz="2400" dirty="0"/>
+              <a:t>EV3 Classroom: Sound Block</a:t>
+            </a:r>
+          </a:p>
+        </p:txBody>
+      </p:sp>
+      <p:sp>
+        <p:nvSpPr>
+          <p:cNvPr id="10" name="Slide Number Placeholder 9">
+            <a:extLst>
+              <a:ext uri="{FF2B5EF4-FFF2-40B4-BE49-F238E27FC236}">
+                <a16:creationId xmlns:a16="http://schemas.microsoft.com/office/drawing/2014/main" id="{561A7EF8-1F1C-5849-A2FA-2CD4EB202E64}"/>
+              </a:ext>
+            </a:extLst>
+          </p:cNvPr>
+          <p:cNvSpPr>
+            <a:spLocks noGrp="1"/>
+          </p:cNvSpPr>
+          <p:nvPr>
+            <p:ph type="sldNum" sz="quarter" idx="12"/>
+          </p:nvPr>
+        </p:nvSpPr>
+        <p:spPr/>
+        <p:txBody>
+          <a:bodyPr/>
+          <a:lstStyle/>
+          <a:p>
+            <a:fld id="{4DBC7FC8-25FB-FC45-8177-2B991DA6778C}" type="slidenum">
+              <a:rPr lang="en-US" smtClean="0"/>
+              <a:t>1</a:t>
+            </a:fld>
+            <a:endParaRPr lang="en-US" dirty="0"/>
+          </a:p>
+        </p:txBody>
+      </p:sp>
+      <p:sp>
+        <p:nvSpPr>
+          <p:cNvPr id="11" name="Title 1">
+            <a:extLst>
+              <a:ext uri="{FF2B5EF4-FFF2-40B4-BE49-F238E27FC236}">
+                <a16:creationId xmlns:a16="http://schemas.microsoft.com/office/drawing/2014/main" id="{42C15065-8247-1944-9156-378F4A15F147}"/>
+              </a:ext>
+            </a:extLst>
+          </p:cNvPr>
+          <p:cNvSpPr txBox="1">
+            <a:spLocks/>
+          </p:cNvSpPr>
+          <p:nvPr/>
         </p:nvSpPr>
         <p:spPr>
           <a:xfrm>
-            <a:off x="502903" y="5775716"/>
-            <a:ext cx="8117227" cy="602769"/>
+            <a:off x="4868091" y="272833"/>
+            <a:ext cx="3897684" cy="1598052"/>
           </a:xfrm>
+          <a:prstGeom prst="rect">
+            <a:avLst/>
+          </a:prstGeom>
         </p:spPr>
         <p:txBody>
-          <a:bodyPr/>
-          <a:lstStyle/>
-          <a:p>
-            <a:pPr algn="ctr"/>
-            <a:r>
-              <a:rPr lang="en-US" dirty="0"/>
+          <a:bodyPr vert="horz" lIns="91440" tIns="45720" rIns="91440" bIns="45720" rtlCol="0" anchor="t" anchorCtr="0">
+            <a:noAutofit/>
+          </a:bodyPr>
+          <a:lstStyle>
+            <a:lvl1pPr algn="l" defTabSz="914400" rtl="0" eaLnBrk="1" latinLnBrk="0" hangingPunct="1">
+              <a:spcBef>
+                <a:spcPct val="0"/>
+              </a:spcBef>
+              <a:buNone/>
+              <a:defRPr sz="2800" kern="1200" cap="all" spc="-60" baseline="0">
+                <a:solidFill>
+                  <a:schemeClr val="tx2"/>
+                </a:solidFill>
+                <a:latin typeface="+mj-lt"/>
+                <a:ea typeface="+mj-ea"/>
+                <a:cs typeface="+mj-cs"/>
+              </a:defRPr>
+            </a:lvl1pPr>
+          </a:lstStyle>
+          <a:p>
+            <a:r>
+              <a:rPr lang="en-US" sz="3200"/>
               <a:t>BEGINNER PROGRAMMING LESSON</a:t>
             </a:r>
+            <a:endParaRPr lang="en-US" sz="3200" dirty="0"/>
           </a:p>
         </p:txBody>
       </p:sp>
       <p:pic>
         <p:nvPicPr>
-          <p:cNvPr id="8" name="Picture 7" descr="A close up of a sign&#10;&#10;Description automatically generated">
+          <p:cNvPr id="12" name="Picture 11" descr="A picture containing drawing&#10;&#10;Description automatically generated">
             <a:extLst>
               <a:ext uri="{FF2B5EF4-FFF2-40B4-BE49-F238E27FC236}">
-                <a16:creationId xmlns:a16="http://schemas.microsoft.com/office/drawing/2014/main" id="{2497F38D-4F4B-1D46-BAE9-C5B0A8AAFB39}"/>
+                <a16:creationId xmlns:a16="http://schemas.microsoft.com/office/drawing/2014/main" id="{96A615B5-1E42-8C43-8E71-D81C45BEFAC9}"/>
+              </a:ext>
+            </a:extLst>
+          </p:cNvPr>
+          <p:cNvPicPr>
+            <a:picLocks noChangeAspect="1"/>
+          </p:cNvPicPr>
+          <p:nvPr/>
+        </p:nvPicPr>
+        <p:blipFill rotWithShape="1">
+          <a:blip r:embed="rId2"/>
+          <a:srcRect l="1617" t="7031" r="4033" b="8124"/>
+          <a:stretch/>
+        </p:blipFill>
+        <p:spPr>
+          <a:xfrm>
+            <a:off x="129863" y="209018"/>
+            <a:ext cx="4442137" cy="1673443"/>
+          </a:xfrm>
+          <a:prstGeom prst="rect">
+            <a:avLst/>
+          </a:prstGeom>
+        </p:spPr>
+      </p:pic>
+      <p:pic>
+        <p:nvPicPr>
+          <p:cNvPr id="13" name="Picture 12" descr="A close up of a sign&#10;&#10;Description automatically generated">
+            <a:extLst>
+              <a:ext uri="{FF2B5EF4-FFF2-40B4-BE49-F238E27FC236}">
+                <a16:creationId xmlns:a16="http://schemas.microsoft.com/office/drawing/2014/main" id="{F9E335E0-5878-9E43-AC8F-3B2EB4B6990C}"/>
               </a:ext>
             </a:extLst>
           </p:cNvPr>
@@ -10326,78 +10381,27 @@
           <p:nvPr/>
         </p:nvPicPr>
         <p:blipFill>
-          <a:blip r:embed="rId2"/>
+          <a:blip r:embed="rId3">
+            <a:extLst>
+              <a:ext uri="{28A0092B-C50C-407E-A947-70E740481C1C}">
+                <a14:useLocalDpi xmlns:a14="http://schemas.microsoft.com/office/drawing/2010/main" val="0"/>
+              </a:ext>
+            </a:extLst>
+          </a:blip>
           <a:stretch>
             <a:fillRect/>
           </a:stretch>
         </p:blipFill>
         <p:spPr>
-          <a:xfrm rot="905751">
-            <a:off x="7371419" y="392739"/>
-            <a:ext cx="1124670" cy="1101589"/>
+          <a:xfrm>
+            <a:off x="3730120" y="4883748"/>
+            <a:ext cx="1444298" cy="1444298"/>
           </a:xfrm>
           <a:prstGeom prst="rect">
             <a:avLst/>
           </a:prstGeom>
         </p:spPr>
       </p:pic>
-      <p:sp>
-        <p:nvSpPr>
-          <p:cNvPr id="9" name="Footer Placeholder 8">
-            <a:extLst>
-              <a:ext uri="{FF2B5EF4-FFF2-40B4-BE49-F238E27FC236}">
-                <a16:creationId xmlns:a16="http://schemas.microsoft.com/office/drawing/2014/main" id="{31FAACC7-BD31-444A-82EC-EB5915DCA377}"/>
-              </a:ext>
-            </a:extLst>
-          </p:cNvPr>
-          <p:cNvSpPr>
-            <a:spLocks noGrp="1"/>
-          </p:cNvSpPr>
-          <p:nvPr>
-            <p:ph type="ftr" sz="quarter" idx="11"/>
-          </p:nvPr>
-        </p:nvSpPr>
-        <p:spPr/>
-        <p:txBody>
-          <a:bodyPr/>
-          <a:lstStyle/>
-          <a:p>
-            <a:r>
-              <a:rPr lang="en-US"/>
-              <a:t>Copyright © EV3Lessons.com 2020 (Last edit: 12/21/2019)</a:t>
-            </a:r>
-          </a:p>
-        </p:txBody>
-      </p:sp>
-      <p:sp>
-        <p:nvSpPr>
-          <p:cNvPr id="10" name="Slide Number Placeholder 9">
-            <a:extLst>
-              <a:ext uri="{FF2B5EF4-FFF2-40B4-BE49-F238E27FC236}">
-                <a16:creationId xmlns:a16="http://schemas.microsoft.com/office/drawing/2014/main" id="{561A7EF8-1F1C-5849-A2FA-2CD4EB202E64}"/>
-              </a:ext>
-            </a:extLst>
-          </p:cNvPr>
-          <p:cNvSpPr>
-            <a:spLocks noGrp="1"/>
-          </p:cNvSpPr>
-          <p:nvPr>
-            <p:ph type="sldNum" sz="quarter" idx="12"/>
-          </p:nvPr>
-        </p:nvSpPr>
-        <p:spPr/>
-        <p:txBody>
-          <a:bodyPr/>
-          <a:lstStyle/>
-          <a:p>
-            <a:fld id="{4DBC7FC8-25FB-FC45-8177-2B991DA6778C}" type="slidenum">
-              <a:rPr lang="en-US" smtClean="0"/>
-              <a:t>1</a:t>
-            </a:fld>
-            <a:endParaRPr lang="en-US" dirty="0"/>
-          </a:p>
-        </p:txBody>
-      </p:sp>
     </p:spTree>
     <p:extLst>
       <p:ext uri="{BB962C8B-B14F-4D97-AF65-F5344CB8AC3E}">
